--- a/images/posts/뉴스표지.pptx
+++ b/images/posts/뉴스표지.pptx
@@ -6,7 +6,9 @@
   </p:sldMasterIdLst>
   <p:sldIdLst>
     <p:sldId id="256" r:id="rId2"/>
-    <p:sldId id="257" r:id="rId3"/>
+    <p:sldId id="258" r:id="rId3"/>
+    <p:sldId id="259" r:id="rId4"/>
+    <p:sldId id="257" r:id="rId5"/>
   </p:sldIdLst>
   <p:sldSz cx="12192000" cy="6858000"/>
   <p:notesSz cx="6858000" cy="9144000"/>
@@ -260,7 +262,7 @@
           <a:p>
             <a:fld id="{6A4120E9-93D2-464F-A605-0193EEC8A049}" type="datetimeFigureOut">
               <a:rPr lang="ko-KR" altLang="en-US" smtClean="0"/>
-              <a:t>2025-05-15</a:t>
+              <a:t>2025-07-18</a:t>
             </a:fld>
             <a:endParaRPr lang="ko-KR" altLang="en-US"/>
           </a:p>
@@ -458,7 +460,7 @@
           <a:p>
             <a:fld id="{6A4120E9-93D2-464F-A605-0193EEC8A049}" type="datetimeFigureOut">
               <a:rPr lang="ko-KR" altLang="en-US" smtClean="0"/>
-              <a:t>2025-05-15</a:t>
+              <a:t>2025-07-18</a:t>
             </a:fld>
             <a:endParaRPr lang="ko-KR" altLang="en-US"/>
           </a:p>
@@ -666,7 +668,7 @@
           <a:p>
             <a:fld id="{6A4120E9-93D2-464F-A605-0193EEC8A049}" type="datetimeFigureOut">
               <a:rPr lang="ko-KR" altLang="en-US" smtClean="0"/>
-              <a:t>2025-05-15</a:t>
+              <a:t>2025-07-18</a:t>
             </a:fld>
             <a:endParaRPr lang="ko-KR" altLang="en-US"/>
           </a:p>
@@ -864,7 +866,7 @@
           <a:p>
             <a:fld id="{6A4120E9-93D2-464F-A605-0193EEC8A049}" type="datetimeFigureOut">
               <a:rPr lang="ko-KR" altLang="en-US" smtClean="0"/>
-              <a:t>2025-05-15</a:t>
+              <a:t>2025-07-18</a:t>
             </a:fld>
             <a:endParaRPr lang="ko-KR" altLang="en-US"/>
           </a:p>
@@ -1139,7 +1141,7 @@
           <a:p>
             <a:fld id="{6A4120E9-93D2-464F-A605-0193EEC8A049}" type="datetimeFigureOut">
               <a:rPr lang="ko-KR" altLang="en-US" smtClean="0"/>
-              <a:t>2025-05-15</a:t>
+              <a:t>2025-07-18</a:t>
             </a:fld>
             <a:endParaRPr lang="ko-KR" altLang="en-US"/>
           </a:p>
@@ -1404,7 +1406,7 @@
           <a:p>
             <a:fld id="{6A4120E9-93D2-464F-A605-0193EEC8A049}" type="datetimeFigureOut">
               <a:rPr lang="ko-KR" altLang="en-US" smtClean="0"/>
-              <a:t>2025-05-15</a:t>
+              <a:t>2025-07-18</a:t>
             </a:fld>
             <a:endParaRPr lang="ko-KR" altLang="en-US"/>
           </a:p>
@@ -1816,7 +1818,7 @@
           <a:p>
             <a:fld id="{6A4120E9-93D2-464F-A605-0193EEC8A049}" type="datetimeFigureOut">
               <a:rPr lang="ko-KR" altLang="en-US" smtClean="0"/>
-              <a:t>2025-05-15</a:t>
+              <a:t>2025-07-18</a:t>
             </a:fld>
             <a:endParaRPr lang="ko-KR" altLang="en-US"/>
           </a:p>
@@ -1957,7 +1959,7 @@
           <a:p>
             <a:fld id="{6A4120E9-93D2-464F-A605-0193EEC8A049}" type="datetimeFigureOut">
               <a:rPr lang="ko-KR" altLang="en-US" smtClean="0"/>
-              <a:t>2025-05-15</a:t>
+              <a:t>2025-07-18</a:t>
             </a:fld>
             <a:endParaRPr lang="ko-KR" altLang="en-US"/>
           </a:p>
@@ -2070,7 +2072,7 @@
           <a:p>
             <a:fld id="{6A4120E9-93D2-464F-A605-0193EEC8A049}" type="datetimeFigureOut">
               <a:rPr lang="ko-KR" altLang="en-US" smtClean="0"/>
-              <a:t>2025-05-15</a:t>
+              <a:t>2025-07-18</a:t>
             </a:fld>
             <a:endParaRPr lang="ko-KR" altLang="en-US"/>
           </a:p>
@@ -2381,7 +2383,7 @@
           <a:p>
             <a:fld id="{6A4120E9-93D2-464F-A605-0193EEC8A049}" type="datetimeFigureOut">
               <a:rPr lang="ko-KR" altLang="en-US" smtClean="0"/>
-              <a:t>2025-05-15</a:t>
+              <a:t>2025-07-18</a:t>
             </a:fld>
             <a:endParaRPr lang="ko-KR" altLang="en-US"/>
           </a:p>
@@ -2669,7 +2671,7 @@
           <a:p>
             <a:fld id="{6A4120E9-93D2-464F-A605-0193EEC8A049}" type="datetimeFigureOut">
               <a:rPr lang="ko-KR" altLang="en-US" smtClean="0"/>
-              <a:t>2025-05-15</a:t>
+              <a:t>2025-07-18</a:t>
             </a:fld>
             <a:endParaRPr lang="ko-KR" altLang="en-US"/>
           </a:p>
@@ -2910,7 +2912,7 @@
           <a:p>
             <a:fld id="{6A4120E9-93D2-464F-A605-0193EEC8A049}" type="datetimeFigureOut">
               <a:rPr lang="ko-KR" altLang="en-US" smtClean="0"/>
-              <a:t>2025-05-15</a:t>
+              <a:t>2025-07-18</a:t>
             </a:fld>
             <a:endParaRPr lang="ko-KR" altLang="en-US"/>
           </a:p>
@@ -3475,6 +3477,688 @@
 </file>
 
 <file path=ppt/slides/slide2.xml><?xml version="1.0" encoding="utf-8"?>
+<p:sld xmlns:a="http://schemas.openxmlformats.org/drawingml/2006/main" xmlns:r="http://schemas.openxmlformats.org/officeDocument/2006/relationships" xmlns:p="http://schemas.openxmlformats.org/presentationml/2006/main">
+  <p:cSld>
+    <p:spTree>
+      <p:nvGrpSpPr>
+        <p:cNvPr id="1" name="">
+          <a:extLst>
+            <a:ext uri="{FF2B5EF4-FFF2-40B4-BE49-F238E27FC236}">
+              <a16:creationId xmlns:a16="http://schemas.microsoft.com/office/drawing/2014/main" id="{3E7C0209-DAD3-66C6-1250-C6035045F698}"/>
+            </a:ext>
+          </a:extLst>
+        </p:cNvPr>
+        <p:cNvGrpSpPr/>
+        <p:nvPr/>
+      </p:nvGrpSpPr>
+      <p:grpSpPr>
+        <a:xfrm>
+          <a:off x="0" y="0"/>
+          <a:ext cx="0" cy="0"/>
+          <a:chOff x="0" y="0"/>
+          <a:chExt cx="0" cy="0"/>
+        </a:xfrm>
+      </p:grpSpPr>
+      <p:sp>
+        <p:nvSpPr>
+          <p:cNvPr id="2334" name="직사각형 2333">
+            <a:extLst>
+              <a:ext uri="{FF2B5EF4-FFF2-40B4-BE49-F238E27FC236}">
+                <a16:creationId xmlns:a16="http://schemas.microsoft.com/office/drawing/2014/main" id="{8D3BDD5F-2989-8EB7-CB49-F646AE9BB62A}"/>
+              </a:ext>
+            </a:extLst>
+          </p:cNvPr>
+          <p:cNvSpPr/>
+          <p:nvPr/>
+        </p:nvSpPr>
+        <p:spPr>
+          <a:xfrm>
+            <a:off x="1325880" y="0"/>
+            <a:ext cx="9296400" cy="3428998"/>
+          </a:xfrm>
+          <a:prstGeom prst="rect">
+            <a:avLst/>
+          </a:prstGeom>
+          <a:gradFill flip="none" rotWithShape="1">
+            <a:gsLst>
+              <a:gs pos="39000">
+                <a:srgbClr val="AAA5C0"/>
+              </a:gs>
+              <a:gs pos="0">
+                <a:srgbClr val="738AB6"/>
+              </a:gs>
+              <a:gs pos="100000">
+                <a:srgbClr val="B1A6C0"/>
+              </a:gs>
+            </a:gsLst>
+            <a:lin ang="0" scaled="1"/>
+            <a:tileRect/>
+          </a:gradFill>
+          <a:ln>
+            <a:noFill/>
+          </a:ln>
+        </p:spPr>
+        <p:style>
+          <a:lnRef idx="2">
+            <a:schemeClr val="accent1">
+              <a:shade val="15000"/>
+            </a:schemeClr>
+          </a:lnRef>
+          <a:fillRef idx="1">
+            <a:schemeClr val="accent1"/>
+          </a:fillRef>
+          <a:effectRef idx="0">
+            <a:schemeClr val="accent1"/>
+          </a:effectRef>
+          <a:fontRef idx="minor">
+            <a:schemeClr val="lt1"/>
+          </a:fontRef>
+        </p:style>
+        <p:txBody>
+          <a:bodyPr rtlCol="0" anchor="ctr"/>
+          <a:lstStyle/>
+          <a:p>
+            <a:pPr algn="ctr"/>
+            <a:endParaRPr lang="ko-KR" altLang="en-US"/>
+          </a:p>
+        </p:txBody>
+      </p:sp>
+      <p:sp>
+        <p:nvSpPr>
+          <p:cNvPr id="2332" name="직사각형 2331">
+            <a:extLst>
+              <a:ext uri="{FF2B5EF4-FFF2-40B4-BE49-F238E27FC236}">
+                <a16:creationId xmlns:a16="http://schemas.microsoft.com/office/drawing/2014/main" id="{5A10DBA6-82D0-2AFD-D630-63FDE0123E75}"/>
+              </a:ext>
+            </a:extLst>
+          </p:cNvPr>
+          <p:cNvSpPr/>
+          <p:nvPr/>
+        </p:nvSpPr>
+        <p:spPr>
+          <a:xfrm>
+            <a:off x="1325880" y="3429000"/>
+            <a:ext cx="9296400" cy="3428998"/>
+          </a:xfrm>
+          <a:prstGeom prst="rect">
+            <a:avLst/>
+          </a:prstGeom>
+          <a:solidFill>
+            <a:srgbClr val="9E9BBC"/>
+          </a:solidFill>
+          <a:ln>
+            <a:noFill/>
+          </a:ln>
+        </p:spPr>
+        <p:style>
+          <a:lnRef idx="2">
+            <a:schemeClr val="accent1">
+              <a:shade val="15000"/>
+            </a:schemeClr>
+          </a:lnRef>
+          <a:fillRef idx="1">
+            <a:schemeClr val="accent1"/>
+          </a:fillRef>
+          <a:effectRef idx="0">
+            <a:schemeClr val="accent1"/>
+          </a:effectRef>
+          <a:fontRef idx="minor">
+            <a:schemeClr val="lt1"/>
+          </a:fontRef>
+        </p:style>
+        <p:txBody>
+          <a:bodyPr rtlCol="0" anchor="ctr"/>
+          <a:lstStyle/>
+          <a:p>
+            <a:pPr algn="ctr"/>
+            <a:endParaRPr lang="ko-KR" altLang="en-US"/>
+          </a:p>
+        </p:txBody>
+      </p:sp>
+      <p:sp>
+        <p:nvSpPr>
+          <p:cNvPr id="6" name="직사각형 5">
+            <a:extLst>
+              <a:ext uri="{FF2B5EF4-FFF2-40B4-BE49-F238E27FC236}">
+                <a16:creationId xmlns:a16="http://schemas.microsoft.com/office/drawing/2014/main" id="{2582F65C-A483-8C70-500E-1B3DF31C8686}"/>
+              </a:ext>
+            </a:extLst>
+          </p:cNvPr>
+          <p:cNvSpPr/>
+          <p:nvPr/>
+        </p:nvSpPr>
+        <p:spPr>
+          <a:xfrm>
+            <a:off x="1325880" y="0"/>
+            <a:ext cx="9296400" cy="6858000"/>
+          </a:xfrm>
+          <a:prstGeom prst="rect">
+            <a:avLst/>
+          </a:prstGeom>
+          <a:noFill/>
+          <a:ln w="38100">
+            <a:solidFill>
+              <a:srgbClr val="C00000"/>
+            </a:solidFill>
+          </a:ln>
+        </p:spPr>
+        <p:style>
+          <a:lnRef idx="2">
+            <a:schemeClr val="accent1">
+              <a:shade val="15000"/>
+            </a:schemeClr>
+          </a:lnRef>
+          <a:fillRef idx="1">
+            <a:schemeClr val="accent1"/>
+          </a:fillRef>
+          <a:effectRef idx="0">
+            <a:schemeClr val="accent1"/>
+          </a:effectRef>
+          <a:fontRef idx="minor">
+            <a:schemeClr val="lt1"/>
+          </a:fontRef>
+        </p:style>
+        <p:txBody>
+          <a:bodyPr rtlCol="0" anchor="ctr"/>
+          <a:lstStyle/>
+          <a:p>
+            <a:pPr algn="ctr"/>
+            <a:endParaRPr lang="ko-KR" altLang="en-US"/>
+          </a:p>
+        </p:txBody>
+      </p:sp>
+      <p:sp>
+        <p:nvSpPr>
+          <p:cNvPr id="7" name="직사각형 6">
+            <a:extLst>
+              <a:ext uri="{FF2B5EF4-FFF2-40B4-BE49-F238E27FC236}">
+                <a16:creationId xmlns:a16="http://schemas.microsoft.com/office/drawing/2014/main" id="{18791ED2-8D8C-5E0A-69CC-7EF902B557CA}"/>
+              </a:ext>
+            </a:extLst>
+          </p:cNvPr>
+          <p:cNvSpPr/>
+          <p:nvPr/>
+        </p:nvSpPr>
+        <p:spPr>
+          <a:xfrm>
+            <a:off x="2438400" y="746760"/>
+            <a:ext cx="7239000" cy="5288280"/>
+          </a:xfrm>
+          <a:prstGeom prst="rect">
+            <a:avLst/>
+          </a:prstGeom>
+          <a:noFill/>
+          <a:ln w="38100">
+            <a:solidFill>
+              <a:srgbClr val="C00000"/>
+            </a:solidFill>
+          </a:ln>
+        </p:spPr>
+        <p:style>
+          <a:lnRef idx="2">
+            <a:schemeClr val="accent1">
+              <a:shade val="15000"/>
+            </a:schemeClr>
+          </a:lnRef>
+          <a:fillRef idx="1">
+            <a:schemeClr val="accent1"/>
+          </a:fillRef>
+          <a:effectRef idx="0">
+            <a:schemeClr val="accent1"/>
+          </a:effectRef>
+          <a:fontRef idx="minor">
+            <a:schemeClr val="lt1"/>
+          </a:fontRef>
+        </p:style>
+        <p:txBody>
+          <a:bodyPr rtlCol="0" anchor="ctr"/>
+          <a:lstStyle/>
+          <a:p>
+            <a:pPr algn="ctr"/>
+            <a:endParaRPr lang="ko-KR" altLang="en-US"/>
+          </a:p>
+        </p:txBody>
+      </p:sp>
+      <p:pic>
+        <p:nvPicPr>
+          <p:cNvPr id="2331" name="그림 2330">
+            <a:extLst>
+              <a:ext uri="{FF2B5EF4-FFF2-40B4-BE49-F238E27FC236}">
+                <a16:creationId xmlns:a16="http://schemas.microsoft.com/office/drawing/2014/main" id="{A259458E-A05D-82C0-FC57-007312A2721E}"/>
+              </a:ext>
+            </a:extLst>
+          </p:cNvPr>
+          <p:cNvPicPr>
+            <a:picLocks noChangeAspect="1"/>
+          </p:cNvPicPr>
+          <p:nvPr/>
+        </p:nvPicPr>
+        <p:blipFill>
+          <a:blip r:embed="rId2"/>
+          <a:stretch>
+            <a:fillRect/>
+          </a:stretch>
+        </p:blipFill>
+        <p:spPr>
+          <a:xfrm>
+            <a:off x="-407204" y="1163839"/>
+            <a:ext cx="13006408" cy="4530322"/>
+          </a:xfrm>
+          <a:prstGeom prst="rect">
+            <a:avLst/>
+          </a:prstGeom>
+        </p:spPr>
+      </p:pic>
+      <p:pic>
+        <p:nvPicPr>
+          <p:cNvPr id="2335" name="그림 2334">
+            <a:extLst>
+              <a:ext uri="{FF2B5EF4-FFF2-40B4-BE49-F238E27FC236}">
+                <a16:creationId xmlns:a16="http://schemas.microsoft.com/office/drawing/2014/main" id="{A8989220-AB87-A0E8-86D6-9CAED1EB1924}"/>
+              </a:ext>
+            </a:extLst>
+          </p:cNvPr>
+          <p:cNvPicPr>
+            <a:picLocks noChangeAspect="1"/>
+          </p:cNvPicPr>
+          <p:nvPr/>
+        </p:nvPicPr>
+        <p:blipFill>
+          <a:blip r:embed="rId2"/>
+          <a:srcRect t="96238"/>
+          <a:stretch>
+            <a:fillRect/>
+          </a:stretch>
+        </p:blipFill>
+        <p:spPr>
+          <a:xfrm>
+            <a:off x="-407204" y="5364480"/>
+            <a:ext cx="13006408" cy="1910599"/>
+          </a:xfrm>
+          <a:prstGeom prst="rect">
+            <a:avLst/>
+          </a:prstGeom>
+        </p:spPr>
+      </p:pic>
+    </p:spTree>
+    <p:extLst>
+      <p:ext uri="{BB962C8B-B14F-4D97-AF65-F5344CB8AC3E}">
+        <p14:creationId xmlns:p14="http://schemas.microsoft.com/office/powerpoint/2010/main" val="3723944004"/>
+      </p:ext>
+    </p:extLst>
+  </p:cSld>
+  <p:clrMapOvr>
+    <a:masterClrMapping/>
+  </p:clrMapOvr>
+</p:sld>
+</file>
+
+<file path=ppt/slides/slide3.xml><?xml version="1.0" encoding="utf-8"?>
+<p:sld xmlns:a="http://schemas.openxmlformats.org/drawingml/2006/main" xmlns:r="http://schemas.openxmlformats.org/officeDocument/2006/relationships" xmlns:p="http://schemas.openxmlformats.org/presentationml/2006/main">
+  <p:cSld>
+    <p:spTree>
+      <p:nvGrpSpPr>
+        <p:cNvPr id="1" name="">
+          <a:extLst>
+            <a:ext uri="{FF2B5EF4-FFF2-40B4-BE49-F238E27FC236}">
+              <a16:creationId xmlns:a16="http://schemas.microsoft.com/office/drawing/2014/main" id="{F1922469-4DE2-BB0B-0A86-DA88449FB596}"/>
+            </a:ext>
+          </a:extLst>
+        </p:cNvPr>
+        <p:cNvGrpSpPr/>
+        <p:nvPr/>
+      </p:nvGrpSpPr>
+      <p:grpSpPr>
+        <a:xfrm>
+          <a:off x="0" y="0"/>
+          <a:ext cx="0" cy="0"/>
+          <a:chOff x="0" y="0"/>
+          <a:chExt cx="0" cy="0"/>
+        </a:xfrm>
+      </p:grpSpPr>
+      <p:sp>
+        <p:nvSpPr>
+          <p:cNvPr id="2334" name="직사각형 2333">
+            <a:extLst>
+              <a:ext uri="{FF2B5EF4-FFF2-40B4-BE49-F238E27FC236}">
+                <a16:creationId xmlns:a16="http://schemas.microsoft.com/office/drawing/2014/main" id="{F239E149-E7C9-04FC-2CF5-49DC519CD1EC}"/>
+              </a:ext>
+            </a:extLst>
+          </p:cNvPr>
+          <p:cNvSpPr/>
+          <p:nvPr/>
+        </p:nvSpPr>
+        <p:spPr>
+          <a:xfrm>
+            <a:off x="1325880" y="0"/>
+            <a:ext cx="9296400" cy="3428998"/>
+          </a:xfrm>
+          <a:prstGeom prst="rect">
+            <a:avLst/>
+          </a:prstGeom>
+          <a:gradFill flip="none" rotWithShape="1">
+            <a:gsLst>
+              <a:gs pos="39000">
+                <a:srgbClr val="AAA5C0"/>
+              </a:gs>
+              <a:gs pos="0">
+                <a:srgbClr val="738AB6"/>
+              </a:gs>
+              <a:gs pos="100000">
+                <a:srgbClr val="B1A6C0"/>
+              </a:gs>
+            </a:gsLst>
+            <a:lin ang="0" scaled="1"/>
+            <a:tileRect/>
+          </a:gradFill>
+          <a:ln>
+            <a:noFill/>
+          </a:ln>
+        </p:spPr>
+        <p:style>
+          <a:lnRef idx="2">
+            <a:schemeClr val="accent1">
+              <a:shade val="15000"/>
+            </a:schemeClr>
+          </a:lnRef>
+          <a:fillRef idx="1">
+            <a:schemeClr val="accent1"/>
+          </a:fillRef>
+          <a:effectRef idx="0">
+            <a:schemeClr val="accent1"/>
+          </a:effectRef>
+          <a:fontRef idx="minor">
+            <a:schemeClr val="lt1"/>
+          </a:fontRef>
+        </p:style>
+        <p:txBody>
+          <a:bodyPr rtlCol="0" anchor="ctr"/>
+          <a:lstStyle/>
+          <a:p>
+            <a:pPr algn="ctr"/>
+            <a:endParaRPr lang="ko-KR" altLang="en-US"/>
+          </a:p>
+        </p:txBody>
+      </p:sp>
+      <p:sp>
+        <p:nvSpPr>
+          <p:cNvPr id="2332" name="직사각형 2331">
+            <a:extLst>
+              <a:ext uri="{FF2B5EF4-FFF2-40B4-BE49-F238E27FC236}">
+                <a16:creationId xmlns:a16="http://schemas.microsoft.com/office/drawing/2014/main" id="{FB045009-64C2-82E5-49A4-D6897B78C008}"/>
+              </a:ext>
+            </a:extLst>
+          </p:cNvPr>
+          <p:cNvSpPr/>
+          <p:nvPr/>
+        </p:nvSpPr>
+        <p:spPr>
+          <a:xfrm>
+            <a:off x="1325880" y="3429000"/>
+            <a:ext cx="9296400" cy="3428998"/>
+          </a:xfrm>
+          <a:prstGeom prst="rect">
+            <a:avLst/>
+          </a:prstGeom>
+          <a:solidFill>
+            <a:srgbClr val="9E9BBC"/>
+          </a:solidFill>
+          <a:ln>
+            <a:noFill/>
+          </a:ln>
+        </p:spPr>
+        <p:style>
+          <a:lnRef idx="2">
+            <a:schemeClr val="accent1">
+              <a:shade val="15000"/>
+            </a:schemeClr>
+          </a:lnRef>
+          <a:fillRef idx="1">
+            <a:schemeClr val="accent1"/>
+          </a:fillRef>
+          <a:effectRef idx="0">
+            <a:schemeClr val="accent1"/>
+          </a:effectRef>
+          <a:fontRef idx="minor">
+            <a:schemeClr val="lt1"/>
+          </a:fontRef>
+        </p:style>
+        <p:txBody>
+          <a:bodyPr rtlCol="0" anchor="ctr"/>
+          <a:lstStyle/>
+          <a:p>
+            <a:pPr algn="ctr"/>
+            <a:endParaRPr lang="ko-KR" altLang="en-US"/>
+          </a:p>
+        </p:txBody>
+      </p:sp>
+      <p:sp>
+        <p:nvSpPr>
+          <p:cNvPr id="6" name="직사각형 5">
+            <a:extLst>
+              <a:ext uri="{FF2B5EF4-FFF2-40B4-BE49-F238E27FC236}">
+                <a16:creationId xmlns:a16="http://schemas.microsoft.com/office/drawing/2014/main" id="{D66AF6DB-AAB8-5E07-61DD-9AA47FCD549B}"/>
+              </a:ext>
+            </a:extLst>
+          </p:cNvPr>
+          <p:cNvSpPr/>
+          <p:nvPr/>
+        </p:nvSpPr>
+        <p:spPr>
+          <a:xfrm>
+            <a:off x="1325880" y="0"/>
+            <a:ext cx="9296400" cy="6858000"/>
+          </a:xfrm>
+          <a:prstGeom prst="rect">
+            <a:avLst/>
+          </a:prstGeom>
+          <a:noFill/>
+          <a:ln w="38100">
+            <a:solidFill>
+              <a:srgbClr val="C00000"/>
+            </a:solidFill>
+          </a:ln>
+        </p:spPr>
+        <p:style>
+          <a:lnRef idx="2">
+            <a:schemeClr val="accent1">
+              <a:shade val="15000"/>
+            </a:schemeClr>
+          </a:lnRef>
+          <a:fillRef idx="1">
+            <a:schemeClr val="accent1"/>
+          </a:fillRef>
+          <a:effectRef idx="0">
+            <a:schemeClr val="accent1"/>
+          </a:effectRef>
+          <a:fontRef idx="minor">
+            <a:schemeClr val="lt1"/>
+          </a:fontRef>
+        </p:style>
+        <p:txBody>
+          <a:bodyPr rtlCol="0" anchor="ctr"/>
+          <a:lstStyle/>
+          <a:p>
+            <a:pPr algn="ctr"/>
+            <a:endParaRPr lang="ko-KR" altLang="en-US"/>
+          </a:p>
+        </p:txBody>
+      </p:sp>
+      <p:sp>
+        <p:nvSpPr>
+          <p:cNvPr id="7" name="직사각형 6">
+            <a:extLst>
+              <a:ext uri="{FF2B5EF4-FFF2-40B4-BE49-F238E27FC236}">
+                <a16:creationId xmlns:a16="http://schemas.microsoft.com/office/drawing/2014/main" id="{B680007C-CED1-CBF7-5853-958EFF892E4D}"/>
+              </a:ext>
+            </a:extLst>
+          </p:cNvPr>
+          <p:cNvSpPr/>
+          <p:nvPr/>
+        </p:nvSpPr>
+        <p:spPr>
+          <a:xfrm>
+            <a:off x="2438400" y="746760"/>
+            <a:ext cx="7239000" cy="5288280"/>
+          </a:xfrm>
+          <a:prstGeom prst="rect">
+            <a:avLst/>
+          </a:prstGeom>
+          <a:noFill/>
+          <a:ln w="38100">
+            <a:solidFill>
+              <a:srgbClr val="C00000"/>
+            </a:solidFill>
+          </a:ln>
+        </p:spPr>
+        <p:style>
+          <a:lnRef idx="2">
+            <a:schemeClr val="accent1">
+              <a:shade val="15000"/>
+            </a:schemeClr>
+          </a:lnRef>
+          <a:fillRef idx="1">
+            <a:schemeClr val="accent1"/>
+          </a:fillRef>
+          <a:effectRef idx="0">
+            <a:schemeClr val="accent1"/>
+          </a:effectRef>
+          <a:fontRef idx="minor">
+            <a:schemeClr val="lt1"/>
+          </a:fontRef>
+        </p:style>
+        <p:txBody>
+          <a:bodyPr rtlCol="0" anchor="ctr"/>
+          <a:lstStyle/>
+          <a:p>
+            <a:pPr algn="ctr"/>
+            <a:endParaRPr lang="ko-KR" altLang="en-US"/>
+          </a:p>
+        </p:txBody>
+      </p:sp>
+      <p:pic>
+        <p:nvPicPr>
+          <p:cNvPr id="2335" name="그림 2334">
+            <a:extLst>
+              <a:ext uri="{FF2B5EF4-FFF2-40B4-BE49-F238E27FC236}">
+                <a16:creationId xmlns:a16="http://schemas.microsoft.com/office/drawing/2014/main" id="{B099D669-47AC-8533-7A2C-AF1BAB8D2046}"/>
+              </a:ext>
+            </a:extLst>
+          </p:cNvPr>
+          <p:cNvPicPr>
+            <a:picLocks noChangeAspect="1"/>
+          </p:cNvPicPr>
+          <p:nvPr/>
+        </p:nvPicPr>
+        <p:blipFill>
+          <a:blip r:embed="rId2"/>
+          <a:srcRect t="96238"/>
+          <a:stretch>
+            <a:fillRect/>
+          </a:stretch>
+        </p:blipFill>
+        <p:spPr>
+          <a:xfrm>
+            <a:off x="-407204" y="5364480"/>
+            <a:ext cx="13006408" cy="1910599"/>
+          </a:xfrm>
+          <a:prstGeom prst="rect">
+            <a:avLst/>
+          </a:prstGeom>
+        </p:spPr>
+      </p:pic>
+      <p:pic>
+        <p:nvPicPr>
+          <p:cNvPr id="1026" name="Picture 2">
+            <a:extLst>
+              <a:ext uri="{FF2B5EF4-FFF2-40B4-BE49-F238E27FC236}">
+                <a16:creationId xmlns:a16="http://schemas.microsoft.com/office/drawing/2014/main" id="{B3176067-03FA-93AA-A1EA-8DB437690BA1}"/>
+              </a:ext>
+            </a:extLst>
+          </p:cNvPr>
+          <p:cNvPicPr>
+            <a:picLocks noChangeAspect="1" noChangeArrowheads="1"/>
+          </p:cNvPicPr>
+          <p:nvPr/>
+        </p:nvPicPr>
+        <p:blipFill>
+          <a:blip r:embed="rId3">
+            <a:extLst>
+              <a:ext uri="{28A0092B-C50C-407E-A947-70E740481C1C}">
+                <a14:useLocalDpi xmlns:a14="http://schemas.microsoft.com/office/drawing/2010/main" val="0"/>
+              </a:ext>
+            </a:extLst>
+          </a:blip>
+          <a:srcRect/>
+          <a:stretch>
+            <a:fillRect/>
+          </a:stretch>
+        </p:blipFill>
+        <p:spPr bwMode="auto">
+          <a:xfrm>
+            <a:off x="-939892" y="-914449"/>
+            <a:ext cx="13627587" cy="9085058"/>
+          </a:xfrm>
+          <a:prstGeom prst="rect">
+            <a:avLst/>
+          </a:prstGeom>
+          <a:noFill/>
+          <a:extLst>
+            <a:ext uri="{909E8E84-426E-40DD-AFC4-6F175D3DCCD1}">
+              <a14:hiddenFill xmlns:a14="http://schemas.microsoft.com/office/drawing/2010/main">
+                <a:solidFill>
+                  <a:srgbClr val="FFFFFF"/>
+                </a:solidFill>
+              </a14:hiddenFill>
+            </a:ext>
+          </a:extLst>
+        </p:spPr>
+      </p:pic>
+      <p:pic>
+        <p:nvPicPr>
+          <p:cNvPr id="2331" name="그림 2330">
+            <a:extLst>
+              <a:ext uri="{FF2B5EF4-FFF2-40B4-BE49-F238E27FC236}">
+                <a16:creationId xmlns:a16="http://schemas.microsoft.com/office/drawing/2014/main" id="{D4C1AC94-5BF1-C5C9-7837-3DD71DAF54EE}"/>
+              </a:ext>
+            </a:extLst>
+          </p:cNvPr>
+          <p:cNvPicPr>
+            <a:picLocks noChangeAspect="1"/>
+          </p:cNvPicPr>
+          <p:nvPr/>
+        </p:nvPicPr>
+        <p:blipFill>
+          <a:blip r:embed="rId2"/>
+          <a:srcRect l="3131" t="10771" r="3131" b="7277"/>
+          <a:stretch>
+            <a:fillRect/>
+          </a:stretch>
+        </p:blipFill>
+        <p:spPr>
+          <a:xfrm>
+            <a:off x="0" y="1651819"/>
+            <a:ext cx="12192000" cy="3712659"/>
+          </a:xfrm>
+          <a:prstGeom prst="rect">
+            <a:avLst/>
+          </a:prstGeom>
+        </p:spPr>
+      </p:pic>
+    </p:spTree>
+    <p:extLst>
+      <p:ext uri="{BB962C8B-B14F-4D97-AF65-F5344CB8AC3E}">
+        <p14:creationId xmlns:p14="http://schemas.microsoft.com/office/powerpoint/2010/main" val="590805108"/>
+      </p:ext>
+    </p:extLst>
+  </p:cSld>
+  <p:clrMapOvr>
+    <a:masterClrMapping/>
+  </p:clrMapOvr>
+</p:sld>
+</file>
+
+<file path=ppt/slides/slide4.xml><?xml version="1.0" encoding="utf-8"?>
 <p:sld xmlns:a="http://schemas.openxmlformats.org/drawingml/2006/main" xmlns:r="http://schemas.openxmlformats.org/officeDocument/2006/relationships" xmlns:p="http://schemas.openxmlformats.org/presentationml/2006/main">
   <p:cSld>
     <p:spTree>
